--- a/04-shell_script_2.pptx
+++ b/04-shell_script_2.pptx
@@ -268,7 +268,7 @@
           <a:p>
             <a:fld id="{CD285B03-A82A-4DB4-B371-20BBAFB1E3B5}" type="datetimeFigureOut">
               <a:rPr lang="ko-KR" altLang="en-US" smtClean="0"/>
-              <a:t>2020-09-10</a:t>
+              <a:t>2020-09-12</a:t>
             </a:fld>
             <a:endParaRPr lang="ko-KR" altLang="en-US"/>
           </a:p>
@@ -495,7 +495,7 @@
           <a:p>
             <a:fld id="{CD285B03-A82A-4DB4-B371-20BBAFB1E3B5}" type="datetimeFigureOut">
               <a:rPr lang="ko-KR" altLang="en-US" smtClean="0"/>
-              <a:t>2020-09-10</a:t>
+              <a:t>2020-09-12</a:t>
             </a:fld>
             <a:endParaRPr lang="ko-KR" altLang="en-US"/>
           </a:p>
@@ -691,7 +691,7 @@
           <a:p>
             <a:fld id="{CD285B03-A82A-4DB4-B371-20BBAFB1E3B5}" type="datetimeFigureOut">
               <a:rPr lang="ko-KR" altLang="en-US" smtClean="0"/>
-              <a:t>2020-09-10</a:t>
+              <a:t>2020-09-12</a:t>
             </a:fld>
             <a:endParaRPr lang="ko-KR" altLang="en-US"/>
           </a:p>
@@ -1138,7 +1138,7 @@
           <a:p>
             <a:fld id="{CD285B03-A82A-4DB4-B371-20BBAFB1E3B5}" type="datetimeFigureOut">
               <a:rPr lang="ko-KR" altLang="en-US" smtClean="0"/>
-              <a:t>2020-09-10</a:t>
+              <a:t>2020-09-12</a:t>
             </a:fld>
             <a:endParaRPr lang="ko-KR" altLang="en-US"/>
           </a:p>
@@ -1386,7 +1386,7 @@
           <a:p>
             <a:fld id="{CD285B03-A82A-4DB4-B371-20BBAFB1E3B5}" type="datetimeFigureOut">
               <a:rPr lang="ko-KR" altLang="en-US" smtClean="0"/>
-              <a:t>2020-09-10</a:t>
+              <a:t>2020-09-12</a:t>
             </a:fld>
             <a:endParaRPr lang="ko-KR" altLang="en-US"/>
           </a:p>
@@ -1769,7 +1769,7 @@
           <a:p>
             <a:fld id="{CD285B03-A82A-4DB4-B371-20BBAFB1E3B5}" type="datetimeFigureOut">
               <a:rPr lang="ko-KR" altLang="en-US" smtClean="0"/>
-              <a:t>2020-09-10</a:t>
+              <a:t>2020-09-12</a:t>
             </a:fld>
             <a:endParaRPr lang="ko-KR" altLang="en-US"/>
           </a:p>
@@ -1903,7 +1903,7 @@
           <a:p>
             <a:fld id="{CD285B03-A82A-4DB4-B371-20BBAFB1E3B5}" type="datetimeFigureOut">
               <a:rPr lang="ko-KR" altLang="en-US" smtClean="0"/>
-              <a:t>2020-09-10</a:t>
+              <a:t>2020-09-12</a:t>
             </a:fld>
             <a:endParaRPr lang="ko-KR" altLang="en-US"/>
           </a:p>
@@ -2014,7 +2014,7 @@
           <a:p>
             <a:fld id="{CD285B03-A82A-4DB4-B371-20BBAFB1E3B5}" type="datetimeFigureOut">
               <a:rPr lang="ko-KR" altLang="en-US" smtClean="0"/>
-              <a:t>2020-09-10</a:t>
+              <a:t>2020-09-12</a:t>
             </a:fld>
             <a:endParaRPr lang="ko-KR" altLang="en-US"/>
           </a:p>
@@ -2307,7 +2307,7 @@
           <a:p>
             <a:fld id="{CD285B03-A82A-4DB4-B371-20BBAFB1E3B5}" type="datetimeFigureOut">
               <a:rPr lang="ko-KR" altLang="en-US" smtClean="0"/>
-              <a:t>2020-09-10</a:t>
+              <a:t>2020-09-12</a:t>
             </a:fld>
             <a:endParaRPr lang="ko-KR" altLang="en-US"/>
           </a:p>
@@ -2580,7 +2580,7 @@
           <a:p>
             <a:fld id="{CD285B03-A82A-4DB4-B371-20BBAFB1E3B5}" type="datetimeFigureOut">
               <a:rPr lang="ko-KR" altLang="en-US" smtClean="0"/>
-              <a:t>2020-09-10</a:t>
+              <a:t>2020-09-12</a:t>
             </a:fld>
             <a:endParaRPr lang="ko-KR" altLang="en-US"/>
           </a:p>
@@ -3272,23 +3272,38 @@
             <p:ph type="subTitle" idx="1"/>
           </p:nvPr>
         </p:nvSpPr>
-        <p:spPr/>
+        <p:spPr>
+          <a:xfrm>
+            <a:off x="1524000" y="4076240"/>
+            <a:ext cx="9144000" cy="1181559"/>
+          </a:xfrm>
+        </p:spPr>
         <p:txBody>
-          <a:bodyPr/>
+          <a:bodyPr>
+            <a:normAutofit/>
+          </a:bodyPr>
           <a:lstStyle/>
           <a:p>
             <a:r>
-              <a:rPr lang="ko-KR" altLang="en-US" dirty="0" smtClean="0"/>
+              <a:rPr lang="ko-KR" altLang="en-US" sz="2800" b="1" dirty="0" smtClean="0">
+                <a:latin typeface="+mn-ea"/>
+              </a:rPr>
               <a:t>동의과학대학교</a:t>
             </a:r>
-            <a:endParaRPr lang="en-US" altLang="ko-KR" dirty="0" smtClean="0"/>
-          </a:p>
-          <a:p>
-            <a:r>
-              <a:rPr lang="ko-KR" altLang="en-US" dirty="0" smtClean="0"/>
+            <a:endParaRPr lang="en-US" altLang="ko-KR" sz="2800" b="1" dirty="0" smtClean="0">
+              <a:latin typeface="+mn-ea"/>
+            </a:endParaRPr>
+          </a:p>
+          <a:p>
+            <a:r>
+              <a:rPr lang="ko-KR" altLang="en-US" sz="2800" b="1" dirty="0" smtClean="0">
+                <a:latin typeface="+mn-ea"/>
+              </a:rPr>
               <a:t>컴퓨터정보과</a:t>
             </a:r>
-            <a:endParaRPr lang="ko-KR" altLang="en-US" dirty="0"/>
+            <a:endParaRPr lang="ko-KR" altLang="en-US" sz="2800" b="1" dirty="0">
+              <a:latin typeface="+mn-ea"/>
+            </a:endParaRPr>
           </a:p>
         </p:txBody>
       </p:sp>
